--- a/ICSA26.pptx
+++ b/ICSA26.pptx
@@ -5,7 +5,7 @@
     <p:sldMasterId id="2147483648" r:id="rId1"/>
   </p:sldMasterIdLst>
   <p:notesMasterIdLst>
-    <p:notesMasterId r:id="rId10"/>
+    <p:notesMasterId r:id="rId11"/>
   </p:notesMasterIdLst>
   <p:sldIdLst>
     <p:sldId id="256" r:id="rId2"/>
@@ -16,6 +16,7 @@
     <p:sldId id="263" r:id="rId7"/>
     <p:sldId id="264" r:id="rId8"/>
     <p:sldId id="265" r:id="rId9"/>
+    <p:sldId id="266" r:id="rId10"/>
   </p:sldIdLst>
   <p:sldSz cx="12192000" cy="6858000"/>
   <p:notesSz cx="6858000" cy="9144000"/>
@@ -204,7 +205,7 @@
           <a:p>
             <a:fld id="{28969827-7A52-E846-A985-BA418795AE7E}" type="datetimeFigureOut">
               <a:rPr lang="it-IT" smtClean="0"/>
-              <a:t>03/11/25</a:t>
+              <a:t>13/11/25</a:t>
             </a:fld>
             <a:endParaRPr lang="it-IT"/>
           </a:p>
@@ -800,7 +801,7 @@
           <a:p>
             <a:fld id="{F7780F00-E3F4-264D-8668-8D6905897A40}" type="datetimeFigureOut">
               <a:rPr lang="it-IT" smtClean="0"/>
-              <a:t>03/11/25</a:t>
+              <a:t>13/11/25</a:t>
             </a:fld>
             <a:endParaRPr lang="it-IT"/>
           </a:p>
@@ -998,7 +999,7 @@
           <a:p>
             <a:fld id="{F7780F00-E3F4-264D-8668-8D6905897A40}" type="datetimeFigureOut">
               <a:rPr lang="it-IT" smtClean="0"/>
-              <a:t>03/11/25</a:t>
+              <a:t>13/11/25</a:t>
             </a:fld>
             <a:endParaRPr lang="it-IT"/>
           </a:p>
@@ -1206,7 +1207,7 @@
           <a:p>
             <a:fld id="{F7780F00-E3F4-264D-8668-8D6905897A40}" type="datetimeFigureOut">
               <a:rPr lang="it-IT" smtClean="0"/>
-              <a:t>03/11/25</a:t>
+              <a:t>13/11/25</a:t>
             </a:fld>
             <a:endParaRPr lang="it-IT"/>
           </a:p>
@@ -1404,7 +1405,7 @@
           <a:p>
             <a:fld id="{F7780F00-E3F4-264D-8668-8D6905897A40}" type="datetimeFigureOut">
               <a:rPr lang="it-IT" smtClean="0"/>
-              <a:t>03/11/25</a:t>
+              <a:t>13/11/25</a:t>
             </a:fld>
             <a:endParaRPr lang="it-IT"/>
           </a:p>
@@ -1679,7 +1680,7 @@
           <a:p>
             <a:fld id="{F7780F00-E3F4-264D-8668-8D6905897A40}" type="datetimeFigureOut">
               <a:rPr lang="it-IT" smtClean="0"/>
-              <a:t>03/11/25</a:t>
+              <a:t>13/11/25</a:t>
             </a:fld>
             <a:endParaRPr lang="it-IT"/>
           </a:p>
@@ -1944,7 +1945,7 @@
           <a:p>
             <a:fld id="{F7780F00-E3F4-264D-8668-8D6905897A40}" type="datetimeFigureOut">
               <a:rPr lang="it-IT" smtClean="0"/>
-              <a:t>03/11/25</a:t>
+              <a:t>13/11/25</a:t>
             </a:fld>
             <a:endParaRPr lang="it-IT"/>
           </a:p>
@@ -2356,7 +2357,7 @@
           <a:p>
             <a:fld id="{F7780F00-E3F4-264D-8668-8D6905897A40}" type="datetimeFigureOut">
               <a:rPr lang="it-IT" smtClean="0"/>
-              <a:t>03/11/25</a:t>
+              <a:t>13/11/25</a:t>
             </a:fld>
             <a:endParaRPr lang="it-IT"/>
           </a:p>
@@ -2497,7 +2498,7 @@
           <a:p>
             <a:fld id="{F7780F00-E3F4-264D-8668-8D6905897A40}" type="datetimeFigureOut">
               <a:rPr lang="it-IT" smtClean="0"/>
-              <a:t>03/11/25</a:t>
+              <a:t>13/11/25</a:t>
             </a:fld>
             <a:endParaRPr lang="it-IT"/>
           </a:p>
@@ -2610,7 +2611,7 @@
           <a:p>
             <a:fld id="{F7780F00-E3F4-264D-8668-8D6905897A40}" type="datetimeFigureOut">
               <a:rPr lang="it-IT" smtClean="0"/>
-              <a:t>03/11/25</a:t>
+              <a:t>13/11/25</a:t>
             </a:fld>
             <a:endParaRPr lang="it-IT"/>
           </a:p>
@@ -2921,7 +2922,7 @@
           <a:p>
             <a:fld id="{F7780F00-E3F4-264D-8668-8D6905897A40}" type="datetimeFigureOut">
               <a:rPr lang="it-IT" smtClean="0"/>
-              <a:t>03/11/25</a:t>
+              <a:t>13/11/25</a:t>
             </a:fld>
             <a:endParaRPr lang="it-IT"/>
           </a:p>
@@ -3209,7 +3210,7 @@
           <a:p>
             <a:fld id="{F7780F00-E3F4-264D-8668-8D6905897A40}" type="datetimeFigureOut">
               <a:rPr lang="it-IT" smtClean="0"/>
-              <a:t>03/11/25</a:t>
+              <a:t>13/11/25</a:t>
             </a:fld>
             <a:endParaRPr lang="it-IT"/>
           </a:p>
@@ -3450,7 +3451,7 @@
           <a:p>
             <a:fld id="{F7780F00-E3F4-264D-8668-8D6905897A40}" type="datetimeFigureOut">
               <a:rPr lang="it-IT" smtClean="0"/>
-              <a:t>03/11/25</a:t>
+              <a:t>13/11/25</a:t>
             </a:fld>
             <a:endParaRPr lang="it-IT"/>
           </a:p>
@@ -12547,6 +12548,456 @@
 </p:sld>
 </file>
 
+<file path=ppt/slides/slide9.xml><?xml version="1.0" encoding="utf-8"?>
+<p:sld xmlns:a="http://schemas.openxmlformats.org/drawingml/2006/main" xmlns:r="http://schemas.openxmlformats.org/officeDocument/2006/relationships" xmlns:p="http://schemas.openxmlformats.org/presentationml/2006/main">
+  <p:cSld>
+    <p:spTree>
+      <p:nvGrpSpPr>
+        <p:cNvPr id="1" name=""/>
+        <p:cNvGrpSpPr/>
+        <p:nvPr/>
+      </p:nvGrpSpPr>
+      <p:grpSpPr>
+        <a:xfrm>
+          <a:off x="0" y="0"/>
+          <a:ext cx="0" cy="0"/>
+          <a:chOff x="0" y="0"/>
+          <a:chExt cx="0" cy="0"/>
+        </a:xfrm>
+      </p:grpSpPr>
+      <p:pic>
+        <p:nvPicPr>
+          <p:cNvPr id="5" name="Immagine 4">
+            <a:extLst>
+              <a:ext uri="{FF2B5EF4-FFF2-40B4-BE49-F238E27FC236}">
+                <a16:creationId xmlns:a16="http://schemas.microsoft.com/office/drawing/2014/main" id="{3A67171E-1846-C2FA-2B25-E3BFAC75DF3A}"/>
+              </a:ext>
+            </a:extLst>
+          </p:cNvPr>
+          <p:cNvPicPr>
+            <a:picLocks noChangeAspect="1"/>
+          </p:cNvPicPr>
+          <p:nvPr/>
+        </p:nvPicPr>
+        <p:blipFill>
+          <a:blip r:embed="rId2"/>
+          <a:stretch>
+            <a:fillRect/>
+          </a:stretch>
+        </p:blipFill>
+        <p:spPr>
+          <a:xfrm>
+            <a:off x="1199433" y="688770"/>
+            <a:ext cx="3213100" cy="3733800"/>
+          </a:xfrm>
+          <a:prstGeom prst="rect">
+            <a:avLst/>
+          </a:prstGeom>
+        </p:spPr>
+      </p:pic>
+      <p:pic>
+        <p:nvPicPr>
+          <p:cNvPr id="8" name="Immagine 7">
+            <a:extLst>
+              <a:ext uri="{FF2B5EF4-FFF2-40B4-BE49-F238E27FC236}">
+                <a16:creationId xmlns:a16="http://schemas.microsoft.com/office/drawing/2014/main" id="{BCE5987C-E4FD-48A9-6431-94CBEA95A6F3}"/>
+              </a:ext>
+            </a:extLst>
+          </p:cNvPr>
+          <p:cNvPicPr>
+            <a:picLocks noChangeAspect="1"/>
+          </p:cNvPicPr>
+          <p:nvPr/>
+        </p:nvPicPr>
+        <p:blipFill>
+          <a:blip r:embed="rId3"/>
+          <a:stretch>
+            <a:fillRect/>
+          </a:stretch>
+        </p:blipFill>
+        <p:spPr>
+          <a:xfrm>
+            <a:off x="1623730" y="3377446"/>
+            <a:ext cx="135771" cy="135771"/>
+          </a:xfrm>
+          <a:prstGeom prst="rect">
+            <a:avLst/>
+          </a:prstGeom>
+        </p:spPr>
+      </p:pic>
+      <p:pic>
+        <p:nvPicPr>
+          <p:cNvPr id="9" name="Immagine 8">
+            <a:extLst>
+              <a:ext uri="{FF2B5EF4-FFF2-40B4-BE49-F238E27FC236}">
+                <a16:creationId xmlns:a16="http://schemas.microsoft.com/office/drawing/2014/main" id="{28F72FB9-AD9C-C17B-374E-233E7112038A}"/>
+              </a:ext>
+            </a:extLst>
+          </p:cNvPr>
+          <p:cNvPicPr>
+            <a:picLocks noChangeAspect="1"/>
+          </p:cNvPicPr>
+          <p:nvPr/>
+        </p:nvPicPr>
+        <p:blipFill>
+          <a:blip r:embed="rId3"/>
+          <a:stretch>
+            <a:fillRect/>
+          </a:stretch>
+        </p:blipFill>
+        <p:spPr>
+          <a:xfrm>
+            <a:off x="1696353" y="3403223"/>
+            <a:ext cx="135771" cy="135771"/>
+          </a:xfrm>
+          <a:prstGeom prst="rect">
+            <a:avLst/>
+          </a:prstGeom>
+        </p:spPr>
+      </p:pic>
+      <p:pic>
+        <p:nvPicPr>
+          <p:cNvPr id="10" name="Immagine 9">
+            <a:extLst>
+              <a:ext uri="{FF2B5EF4-FFF2-40B4-BE49-F238E27FC236}">
+                <a16:creationId xmlns:a16="http://schemas.microsoft.com/office/drawing/2014/main" id="{ED78E3FA-FD5C-8BC1-557E-09DA8CA74AA7}"/>
+              </a:ext>
+            </a:extLst>
+          </p:cNvPr>
+          <p:cNvPicPr>
+            <a:picLocks noChangeAspect="1"/>
+          </p:cNvPicPr>
+          <p:nvPr/>
+        </p:nvPicPr>
+        <p:blipFill>
+          <a:blip r:embed="rId3"/>
+          <a:stretch>
+            <a:fillRect/>
+          </a:stretch>
+        </p:blipFill>
+        <p:spPr>
+          <a:xfrm>
+            <a:off x="1775326" y="3429000"/>
+            <a:ext cx="135771" cy="135771"/>
+          </a:xfrm>
+          <a:prstGeom prst="rect">
+            <a:avLst/>
+          </a:prstGeom>
+        </p:spPr>
+      </p:pic>
+      <p:sp>
+        <p:nvSpPr>
+          <p:cNvPr id="12" name="Ovale 11">
+            <a:extLst>
+              <a:ext uri="{FF2B5EF4-FFF2-40B4-BE49-F238E27FC236}">
+                <a16:creationId xmlns:a16="http://schemas.microsoft.com/office/drawing/2014/main" id="{28D1AF09-1299-EF66-CD92-BDD3C1FACB4C}"/>
+              </a:ext>
+            </a:extLst>
+          </p:cNvPr>
+          <p:cNvSpPr/>
+          <p:nvPr/>
+        </p:nvSpPr>
+        <p:spPr>
+          <a:xfrm>
+            <a:off x="2198678" y="2088043"/>
+            <a:ext cx="97722" cy="97722"/>
+          </a:xfrm>
+          <a:prstGeom prst="ellipse">
+            <a:avLst/>
+          </a:prstGeom>
+          <a:solidFill>
+            <a:schemeClr val="bg1"/>
+          </a:solidFill>
+          <a:ln w="3175"/>
+        </p:spPr>
+        <p:style>
+          <a:lnRef idx="2">
+            <a:schemeClr val="accent1">
+              <a:shade val="15000"/>
+            </a:schemeClr>
+          </a:lnRef>
+          <a:fillRef idx="1">
+            <a:schemeClr val="accent1"/>
+          </a:fillRef>
+          <a:effectRef idx="0">
+            <a:schemeClr val="accent1"/>
+          </a:effectRef>
+          <a:fontRef idx="minor">
+            <a:schemeClr val="lt1"/>
+          </a:fontRef>
+        </p:style>
+        <p:txBody>
+          <a:bodyPr rtlCol="0" anchor="ctr"/>
+          <a:lstStyle/>
+          <a:p>
+            <a:pPr algn="ctr"/>
+            <a:r>
+              <a:rPr lang="it-IT" sz="600" dirty="0">
+                <a:solidFill>
+                  <a:schemeClr val="tx1"/>
+                </a:solidFill>
+                <a:latin typeface="CMU Serif Roman" panose="02000603000000000000" pitchFamily="2" charset="0"/>
+                <a:ea typeface="CMU Serif Roman" panose="02000603000000000000" pitchFamily="2" charset="0"/>
+                <a:cs typeface="CMU Serif Roman" panose="02000603000000000000" pitchFamily="2" charset="0"/>
+              </a:rPr>
+              <a:t>1</a:t>
+            </a:r>
+          </a:p>
+        </p:txBody>
+      </p:sp>
+      <p:sp>
+        <p:nvSpPr>
+          <p:cNvPr id="13" name="Ovale 12">
+            <a:extLst>
+              <a:ext uri="{FF2B5EF4-FFF2-40B4-BE49-F238E27FC236}">
+                <a16:creationId xmlns:a16="http://schemas.microsoft.com/office/drawing/2014/main" id="{D5C6EEF2-69AD-AEA2-E48A-B191E00955F4}"/>
+              </a:ext>
+            </a:extLst>
+          </p:cNvPr>
+          <p:cNvSpPr/>
+          <p:nvPr/>
+        </p:nvSpPr>
+        <p:spPr>
+          <a:xfrm>
+            <a:off x="1973253" y="2396018"/>
+            <a:ext cx="97722" cy="97722"/>
+          </a:xfrm>
+          <a:prstGeom prst="ellipse">
+            <a:avLst/>
+          </a:prstGeom>
+          <a:solidFill>
+            <a:schemeClr val="bg1"/>
+          </a:solidFill>
+          <a:ln w="3175"/>
+        </p:spPr>
+        <p:style>
+          <a:lnRef idx="2">
+            <a:schemeClr val="accent1">
+              <a:shade val="15000"/>
+            </a:schemeClr>
+          </a:lnRef>
+          <a:fillRef idx="1">
+            <a:schemeClr val="accent1"/>
+          </a:fillRef>
+          <a:effectRef idx="0">
+            <a:schemeClr val="accent1"/>
+          </a:effectRef>
+          <a:fontRef idx="minor">
+            <a:schemeClr val="lt1"/>
+          </a:fontRef>
+        </p:style>
+        <p:txBody>
+          <a:bodyPr rtlCol="0" anchor="ctr"/>
+          <a:lstStyle/>
+          <a:p>
+            <a:pPr algn="ctr"/>
+            <a:r>
+              <a:rPr lang="it-IT" sz="600" dirty="0">
+                <a:solidFill>
+                  <a:schemeClr val="tx1"/>
+                </a:solidFill>
+                <a:latin typeface="CMU Serif Roman" panose="02000603000000000000" pitchFamily="2" charset="0"/>
+                <a:ea typeface="CMU Serif Roman" panose="02000603000000000000" pitchFamily="2" charset="0"/>
+                <a:cs typeface="CMU Serif Roman" panose="02000603000000000000" pitchFamily="2" charset="0"/>
+              </a:rPr>
+              <a:t>3</a:t>
+            </a:r>
+          </a:p>
+        </p:txBody>
+      </p:sp>
+      <p:sp>
+        <p:nvSpPr>
+          <p:cNvPr id="14" name="Ovale 13">
+            <a:extLst>
+              <a:ext uri="{FF2B5EF4-FFF2-40B4-BE49-F238E27FC236}">
+                <a16:creationId xmlns:a16="http://schemas.microsoft.com/office/drawing/2014/main" id="{1BD8D2DE-7CF0-0ED9-3993-2640C90BC189}"/>
+              </a:ext>
+            </a:extLst>
+          </p:cNvPr>
+          <p:cNvSpPr/>
+          <p:nvPr/>
+        </p:nvSpPr>
+        <p:spPr>
+          <a:xfrm>
+            <a:off x="2271703" y="2926243"/>
+            <a:ext cx="97722" cy="97722"/>
+          </a:xfrm>
+          <a:prstGeom prst="ellipse">
+            <a:avLst/>
+          </a:prstGeom>
+          <a:solidFill>
+            <a:schemeClr val="bg1"/>
+          </a:solidFill>
+          <a:ln w="3175"/>
+        </p:spPr>
+        <p:style>
+          <a:lnRef idx="2">
+            <a:schemeClr val="accent1">
+              <a:shade val="15000"/>
+            </a:schemeClr>
+          </a:lnRef>
+          <a:fillRef idx="1">
+            <a:schemeClr val="accent1"/>
+          </a:fillRef>
+          <a:effectRef idx="0">
+            <a:schemeClr val="accent1"/>
+          </a:effectRef>
+          <a:fontRef idx="minor">
+            <a:schemeClr val="lt1"/>
+          </a:fontRef>
+        </p:style>
+        <p:txBody>
+          <a:bodyPr rtlCol="0" anchor="ctr"/>
+          <a:lstStyle/>
+          <a:p>
+            <a:pPr algn="ctr"/>
+            <a:r>
+              <a:rPr lang="it-IT" sz="600" dirty="0">
+                <a:solidFill>
+                  <a:schemeClr val="tx1"/>
+                </a:solidFill>
+                <a:latin typeface="CMU Serif Roman" panose="02000603000000000000" pitchFamily="2" charset="0"/>
+                <a:ea typeface="CMU Serif Roman" panose="02000603000000000000" pitchFamily="2" charset="0"/>
+                <a:cs typeface="CMU Serif Roman" panose="02000603000000000000" pitchFamily="2" charset="0"/>
+              </a:rPr>
+              <a:t>4</a:t>
+            </a:r>
+          </a:p>
+        </p:txBody>
+      </p:sp>
+      <p:sp>
+        <p:nvSpPr>
+          <p:cNvPr id="15" name="Ovale 14">
+            <a:extLst>
+              <a:ext uri="{FF2B5EF4-FFF2-40B4-BE49-F238E27FC236}">
+                <a16:creationId xmlns:a16="http://schemas.microsoft.com/office/drawing/2014/main" id="{586D45CE-0C84-ADAD-4114-43E7E14C02FB}"/>
+              </a:ext>
+            </a:extLst>
+          </p:cNvPr>
+          <p:cNvSpPr/>
+          <p:nvPr/>
+        </p:nvSpPr>
+        <p:spPr>
+          <a:xfrm>
+            <a:off x="3857742" y="2388936"/>
+            <a:ext cx="97722" cy="97722"/>
+          </a:xfrm>
+          <a:prstGeom prst="ellipse">
+            <a:avLst/>
+          </a:prstGeom>
+          <a:solidFill>
+            <a:schemeClr val="bg1"/>
+          </a:solidFill>
+          <a:ln w="3175"/>
+        </p:spPr>
+        <p:style>
+          <a:lnRef idx="2">
+            <a:schemeClr val="accent1">
+              <a:shade val="15000"/>
+            </a:schemeClr>
+          </a:lnRef>
+          <a:fillRef idx="1">
+            <a:schemeClr val="accent1"/>
+          </a:fillRef>
+          <a:effectRef idx="0">
+            <a:schemeClr val="accent1"/>
+          </a:effectRef>
+          <a:fontRef idx="minor">
+            <a:schemeClr val="lt1"/>
+          </a:fontRef>
+        </p:style>
+        <p:txBody>
+          <a:bodyPr rtlCol="0" anchor="ctr"/>
+          <a:lstStyle/>
+          <a:p>
+            <a:pPr algn="ctr"/>
+            <a:r>
+              <a:rPr lang="it-IT" sz="600" dirty="0">
+                <a:solidFill>
+                  <a:schemeClr val="tx1"/>
+                </a:solidFill>
+                <a:latin typeface="CMU Serif Roman" panose="02000603000000000000" pitchFamily="2" charset="0"/>
+                <a:ea typeface="CMU Serif Roman" panose="02000603000000000000" pitchFamily="2" charset="0"/>
+                <a:cs typeface="CMU Serif Roman" panose="02000603000000000000" pitchFamily="2" charset="0"/>
+              </a:rPr>
+              <a:t>2</a:t>
+            </a:r>
+          </a:p>
+        </p:txBody>
+      </p:sp>
+      <p:sp>
+        <p:nvSpPr>
+          <p:cNvPr id="16" name="Ovale 15">
+            <a:extLst>
+              <a:ext uri="{FF2B5EF4-FFF2-40B4-BE49-F238E27FC236}">
+                <a16:creationId xmlns:a16="http://schemas.microsoft.com/office/drawing/2014/main" id="{57DDFDB8-639C-EDC2-BD74-4440B7F99672}"/>
+              </a:ext>
+            </a:extLst>
+          </p:cNvPr>
+          <p:cNvSpPr/>
+          <p:nvPr/>
+        </p:nvSpPr>
+        <p:spPr>
+          <a:xfrm>
+            <a:off x="2279031" y="3318966"/>
+            <a:ext cx="97722" cy="97722"/>
+          </a:xfrm>
+          <a:prstGeom prst="ellipse">
+            <a:avLst/>
+          </a:prstGeom>
+          <a:solidFill>
+            <a:schemeClr val="bg1"/>
+          </a:solidFill>
+          <a:ln w="3175"/>
+        </p:spPr>
+        <p:style>
+          <a:lnRef idx="2">
+            <a:schemeClr val="accent1">
+              <a:shade val="15000"/>
+            </a:schemeClr>
+          </a:lnRef>
+          <a:fillRef idx="1">
+            <a:schemeClr val="accent1"/>
+          </a:fillRef>
+          <a:effectRef idx="0">
+            <a:schemeClr val="accent1"/>
+          </a:effectRef>
+          <a:fontRef idx="minor">
+            <a:schemeClr val="lt1"/>
+          </a:fontRef>
+        </p:style>
+        <p:txBody>
+          <a:bodyPr rtlCol="0" anchor="ctr"/>
+          <a:lstStyle/>
+          <a:p>
+            <a:pPr algn="ctr"/>
+            <a:r>
+              <a:rPr lang="it-IT" sz="600" dirty="0">
+                <a:solidFill>
+                  <a:schemeClr val="tx1"/>
+                </a:solidFill>
+                <a:latin typeface="CMU Serif Roman" panose="02000603000000000000" pitchFamily="2" charset="0"/>
+                <a:ea typeface="CMU Serif Roman" panose="02000603000000000000" pitchFamily="2" charset="0"/>
+                <a:cs typeface="CMU Serif Roman" panose="02000603000000000000" pitchFamily="2" charset="0"/>
+              </a:rPr>
+              <a:t>5</a:t>
+            </a:r>
+          </a:p>
+        </p:txBody>
+      </p:sp>
+    </p:spTree>
+    <p:extLst>
+      <p:ext uri="{BB962C8B-B14F-4D97-AF65-F5344CB8AC3E}">
+        <p14:creationId xmlns:p14="http://schemas.microsoft.com/office/powerpoint/2010/main" val="2964082285"/>
+      </p:ext>
+    </p:extLst>
+  </p:cSld>
+  <p:clrMapOvr>
+    <a:masterClrMapping/>
+  </p:clrMapOvr>
+</p:sld>
+</file>
+
 <file path=ppt/theme/theme1.xml><?xml version="1.0" encoding="utf-8"?>
 <a:theme xmlns:a="http://schemas.openxmlformats.org/drawingml/2006/main" name="Tema di Office">
   <a:themeElements>

--- a/ICSA26.pptx
+++ b/ICSA26.pptx
@@ -275,10 +275,15 @@
             <a:srgbClr val="747775"/>
           </p15:clr>
         </p15:guide>
+        <p15:guide id="2" pos="3840">
+          <p15:clr>
+            <a:srgbClr val="A4A3A4"/>
+          </p15:clr>
+        </p15:guide>
       </p15:sldGuideLst>
     </p:ext>
     <p:ext uri="GoogleSlidesCustomDataVersion2">
-      <go:slidesCustomData xmlns:go="http://customooxmlschemas.google.com/" xmlns:ahyp="http://schemas.microsoft.com/office/drawing/2018/hyperlinkcolor" xmlns:p15="http://schemas.microsoft.com/office/powerpoint/2012/main" xmlns:p14="http://schemas.microsoft.com/office/powerpoint/2010/main" xmlns:com="http://schemas.openxmlformats.org/drawingml/2006/compatibility" xmlns:pvml="urn:schemas-microsoft-com:office:powerpoint" xmlns:v="urn:schemas-microsoft-com:vml" xmlns:o="urn:schemas-microsoft-com:office:office" xmlns:dgm="http://schemas.openxmlformats.org/drawingml/2006/diagram" xmlns:c="http://schemas.openxmlformats.org/drawingml/2006/chart" xmlns:mv="urn:schemas-microsoft-com:mac:vml" xmlns:mc="http://schemas.openxmlformats.org/markup-compatibility/2006" xmlns="" r:id="rId20" roundtripDataSignature="AMtx7mjNqohv7MXfyIegnX0+oU5OS7kAyQ=="/>
+      <go:slidesCustomData xmlns="" xmlns:mc="http://schemas.openxmlformats.org/markup-compatibility/2006" xmlns:mv="urn:schemas-microsoft-com:mac:vml" xmlns:c="http://schemas.openxmlformats.org/drawingml/2006/chart" xmlns:dgm="http://schemas.openxmlformats.org/drawingml/2006/diagram" xmlns:o="urn:schemas-microsoft-com:office:office" xmlns:v="urn:schemas-microsoft-com:vml" xmlns:pvml="urn:schemas-microsoft-com:office:powerpoint" xmlns:com="http://schemas.openxmlformats.org/drawingml/2006/compatibility" xmlns:p14="http://schemas.microsoft.com/office/powerpoint/2010/main" xmlns:p15="http://schemas.microsoft.com/office/powerpoint/2012/main" xmlns:ahyp="http://schemas.microsoft.com/office/drawing/2018/hyperlinkcolor" xmlns:go="http://customooxmlschemas.google.com/" r:id="rId20" roundtripDataSignature="AMtx7mjNqohv7MXfyIegnX0+oU5OS7kAyQ=="/>
     </p:ext>
   </p:extLst>
 </p:presentation>
@@ -13179,7 +13184,7 @@
         </p:blipFill>
         <p:spPr>
           <a:xfrm>
-            <a:off x="3922763" y="3638723"/>
+            <a:off x="3916413" y="2629073"/>
             <a:ext cx="517153" cy="539701"/>
           </a:xfrm>
           <a:prstGeom prst="rect">
@@ -13475,7 +13480,7 @@
         </p:blipFill>
         <p:spPr>
           <a:xfrm>
-            <a:off x="3918867" y="2662430"/>
+            <a:off x="3917436" y="3666828"/>
             <a:ext cx="539075" cy="539075"/>
           </a:xfrm>
           <a:prstGeom prst="rect">
@@ -13503,7 +13508,7 @@
         </p:blipFill>
         <p:spPr>
           <a:xfrm>
-            <a:off x="3923092" y="1744594"/>
+            <a:off x="3916742" y="1744594"/>
             <a:ext cx="517150" cy="517150"/>
           </a:xfrm>
           <a:prstGeom prst="rect">
@@ -13529,7 +13534,7 @@
         </p:nvSpPr>
         <p:spPr>
           <a:xfrm>
-            <a:off x="3651491" y="2261744"/>
+            <a:off x="3645141" y="2261744"/>
             <a:ext cx="1060353" cy="217790"/>
           </a:xfrm>
           <a:prstGeom prst="roundRect">
@@ -13599,7 +13604,7 @@
         </p:nvSpPr>
         <p:spPr>
           <a:xfrm>
-            <a:off x="3516568" y="3226426"/>
+            <a:off x="3515137" y="4230824"/>
             <a:ext cx="1323851" cy="217789"/>
           </a:xfrm>
           <a:prstGeom prst="roundRect">
@@ -13669,7 +13674,7 @@
         </p:nvSpPr>
         <p:spPr>
           <a:xfrm>
-            <a:off x="3295589" y="4229001"/>
+            <a:off x="3333689" y="3219351"/>
             <a:ext cx="1655968" cy="217789"/>
           </a:xfrm>
           <a:prstGeom prst="roundRect">
@@ -14549,43 +14554,51 @@
           <a:chExt cx="0" cy="0"/>
         </a:xfrm>
       </p:grpSpPr>
-      <p:sp>
-        <p:nvSpPr>
-          <p:cNvPr id="94" name="Google Shape;94;p2"/>
-          <p:cNvSpPr/>
-          <p:nvPr/>
-        </p:nvSpPr>
-        <p:spPr>
-          <a:xfrm>
-            <a:off x="92550" y="1274734"/>
-            <a:ext cx="12099449" cy="4273659"/>
-          </a:xfrm>
-          <a:prstGeom prst="rect">
-            <a:avLst/>
-          </a:prstGeom>
-          <a:solidFill>
-            <a:srgbClr val="FFFFFF"/>
-          </a:solidFill>
-          <a:ln>
-            <a:noFill/>
-          </a:ln>
-        </p:spPr>
-        <p:txBody>
-          <a:bodyPr/>
-          <a:lstStyle/>
-          <a:p>
-            <a:endParaRPr lang="it-IT"/>
-          </a:p>
-        </p:txBody>
-      </p:sp>
       <p:pic>
         <p:nvPicPr>
-          <p:cNvPr id="95" name="Google Shape;95;p2"/>
+          <p:cNvPr id="3" name="Immagine 2">
+            <a:extLst>
+              <a:ext uri="{FF2B5EF4-FFF2-40B4-BE49-F238E27FC236}">
+                <a16:creationId xmlns:a16="http://schemas.microsoft.com/office/drawing/2014/main" id="{AE0B8DCF-5B97-CAED-8978-7F15FF53AC1D}"/>
+              </a:ext>
+            </a:extLst>
+          </p:cNvPr>
+          <p:cNvPicPr>
+            <a:picLocks noChangeAspect="1"/>
+          </p:cNvPicPr>
+          <p:nvPr/>
+        </p:nvPicPr>
+        <p:blipFill>
+          <a:blip r:embed="rId3"/>
+          <a:srcRect l="6349" t="7335" r="7164" b="9822"/>
+          <a:stretch>
+            <a:fillRect/>
+          </a:stretch>
+        </p:blipFill>
+        <p:spPr>
+          <a:xfrm>
+            <a:off x="1185863" y="271724"/>
+            <a:ext cx="3486149" cy="3880469"/>
+          </a:xfrm>
+          <a:prstGeom prst="rect">
+            <a:avLst/>
+          </a:prstGeom>
+        </p:spPr>
+      </p:pic>
+      <p:pic>
+        <p:nvPicPr>
+          <p:cNvPr id="7" name="Google Shape;292;g3a32454e9ed_0_0">
+            <a:extLst>
+              <a:ext uri="{FF2B5EF4-FFF2-40B4-BE49-F238E27FC236}">
+                <a16:creationId xmlns:a16="http://schemas.microsoft.com/office/drawing/2014/main" id="{B59B548A-2A10-58DC-E5B8-63DD74E7DF92}"/>
+              </a:ext>
+            </a:extLst>
+          </p:cNvPr>
           <p:cNvPicPr preferRelativeResize="0"/>
           <p:nvPr/>
         </p:nvPicPr>
         <p:blipFill rotWithShape="1">
-          <a:blip r:embed="rId3">
+          <a:blip r:embed="rId4">
             <a:alphaModFix/>
           </a:blip>
           <a:srcRect/>
@@ -14593,8 +14606,8 @@
         </p:blipFill>
         <p:spPr>
           <a:xfrm>
-            <a:off x="5599294" y="2435589"/>
-            <a:ext cx="993411" cy="993411"/>
+            <a:off x="1476283" y="3299179"/>
+            <a:ext cx="189797" cy="201529"/>
           </a:xfrm>
           <a:prstGeom prst="rect">
             <a:avLst/>
@@ -14605,6 +14618,362 @@
           </a:ln>
         </p:spPr>
       </p:pic>
+      <p:pic>
+        <p:nvPicPr>
+          <p:cNvPr id="8" name="Google Shape;292;g3a32454e9ed_0_0">
+            <a:extLst>
+              <a:ext uri="{FF2B5EF4-FFF2-40B4-BE49-F238E27FC236}">
+                <a16:creationId xmlns:a16="http://schemas.microsoft.com/office/drawing/2014/main" id="{5C043FC2-5A1E-FB90-8EEA-A97D33666728}"/>
+              </a:ext>
+            </a:extLst>
+          </p:cNvPr>
+          <p:cNvPicPr preferRelativeResize="0"/>
+          <p:nvPr/>
+        </p:nvPicPr>
+        <p:blipFill rotWithShape="1">
+          <a:blip r:embed="rId4">
+            <a:alphaModFix/>
+          </a:blip>
+          <a:srcRect/>
+          <a:stretch/>
+        </p:blipFill>
+        <p:spPr>
+          <a:xfrm>
+            <a:off x="1544059" y="3327957"/>
+            <a:ext cx="189797" cy="201529"/>
+          </a:xfrm>
+          <a:prstGeom prst="rect">
+            <a:avLst/>
+          </a:prstGeom>
+          <a:noFill/>
+          <a:ln>
+            <a:noFill/>
+          </a:ln>
+        </p:spPr>
+      </p:pic>
+      <p:pic>
+        <p:nvPicPr>
+          <p:cNvPr id="9" name="Google Shape;292;g3a32454e9ed_0_0">
+            <a:extLst>
+              <a:ext uri="{FF2B5EF4-FFF2-40B4-BE49-F238E27FC236}">
+                <a16:creationId xmlns:a16="http://schemas.microsoft.com/office/drawing/2014/main" id="{08E9DFC4-9497-4E3C-4B88-943B59EC301A}"/>
+              </a:ext>
+            </a:extLst>
+          </p:cNvPr>
+          <p:cNvPicPr preferRelativeResize="0"/>
+          <p:nvPr/>
+        </p:nvPicPr>
+        <p:blipFill rotWithShape="1">
+          <a:blip r:embed="rId4">
+            <a:alphaModFix/>
+          </a:blip>
+          <a:srcRect/>
+          <a:stretch/>
+        </p:blipFill>
+        <p:spPr>
+          <a:xfrm>
+            <a:off x="1617655" y="3355172"/>
+            <a:ext cx="189797" cy="201529"/>
+          </a:xfrm>
+          <a:prstGeom prst="rect">
+            <a:avLst/>
+          </a:prstGeom>
+          <a:noFill/>
+          <a:ln>
+            <a:noFill/>
+          </a:ln>
+        </p:spPr>
+      </p:pic>
+      <p:sp>
+        <p:nvSpPr>
+          <p:cNvPr id="10" name="Ovale 9">
+            <a:extLst>
+              <a:ext uri="{FF2B5EF4-FFF2-40B4-BE49-F238E27FC236}">
+                <a16:creationId xmlns:a16="http://schemas.microsoft.com/office/drawing/2014/main" id="{3A63E9CC-219A-0F32-D32C-6F66B22180F9}"/>
+              </a:ext>
+            </a:extLst>
+          </p:cNvPr>
+          <p:cNvSpPr/>
+          <p:nvPr/>
+        </p:nvSpPr>
+        <p:spPr>
+          <a:xfrm>
+            <a:off x="2194612" y="1686629"/>
+            <a:ext cx="108000" cy="108000"/>
+          </a:xfrm>
+          <a:prstGeom prst="ellipse">
+            <a:avLst/>
+          </a:prstGeom>
+          <a:noFill/>
+          <a:ln w="6350"/>
+        </p:spPr>
+        <p:style>
+          <a:lnRef idx="2">
+            <a:schemeClr val="accent1">
+              <a:shade val="15000"/>
+            </a:schemeClr>
+          </a:lnRef>
+          <a:fillRef idx="1">
+            <a:schemeClr val="accent1"/>
+          </a:fillRef>
+          <a:effectRef idx="0">
+            <a:schemeClr val="accent1"/>
+          </a:effectRef>
+          <a:fontRef idx="minor">
+            <a:schemeClr val="lt1"/>
+          </a:fontRef>
+        </p:style>
+        <p:txBody>
+          <a:bodyPr rtlCol="0" anchor="ctr"/>
+          <a:lstStyle/>
+          <a:p>
+            <a:pPr algn="ctr"/>
+            <a:r>
+              <a:rPr lang="it-IT" sz="700" dirty="0">
+                <a:solidFill>
+                  <a:schemeClr val="tx1"/>
+                </a:solidFill>
+                <a:latin typeface="CMU Serif Roman" panose="02000603000000000000" pitchFamily="2" charset="0"/>
+                <a:ea typeface="CMU Serif Roman" panose="02000603000000000000" pitchFamily="2" charset="0"/>
+                <a:cs typeface="CMU Serif Roman" panose="02000603000000000000" pitchFamily="2" charset="0"/>
+              </a:rPr>
+              <a:t>1</a:t>
+            </a:r>
+          </a:p>
+        </p:txBody>
+      </p:sp>
+      <p:sp>
+        <p:nvSpPr>
+          <p:cNvPr id="12" name="Ovale 11">
+            <a:extLst>
+              <a:ext uri="{FF2B5EF4-FFF2-40B4-BE49-F238E27FC236}">
+                <a16:creationId xmlns:a16="http://schemas.microsoft.com/office/drawing/2014/main" id="{AAE6DAA4-EB1C-41C7-D188-6929FA27606D}"/>
+              </a:ext>
+            </a:extLst>
+          </p:cNvPr>
+          <p:cNvSpPr/>
+          <p:nvPr/>
+        </p:nvSpPr>
+        <p:spPr>
+          <a:xfrm>
+            <a:off x="4265622" y="1660505"/>
+            <a:ext cx="108000" cy="108000"/>
+          </a:xfrm>
+          <a:prstGeom prst="ellipse">
+            <a:avLst/>
+          </a:prstGeom>
+          <a:noFill/>
+          <a:ln w="6350"/>
+        </p:spPr>
+        <p:style>
+          <a:lnRef idx="2">
+            <a:schemeClr val="accent1">
+              <a:shade val="15000"/>
+            </a:schemeClr>
+          </a:lnRef>
+          <a:fillRef idx="1">
+            <a:schemeClr val="accent1"/>
+          </a:fillRef>
+          <a:effectRef idx="0">
+            <a:schemeClr val="accent1"/>
+          </a:effectRef>
+          <a:fontRef idx="minor">
+            <a:schemeClr val="lt1"/>
+          </a:fontRef>
+        </p:style>
+        <p:txBody>
+          <a:bodyPr rtlCol="0" anchor="ctr"/>
+          <a:lstStyle/>
+          <a:p>
+            <a:pPr algn="ctr"/>
+            <a:r>
+              <a:rPr lang="it-IT" sz="700" dirty="0">
+                <a:solidFill>
+                  <a:schemeClr val="tx1"/>
+                </a:solidFill>
+                <a:latin typeface="CMU Serif Roman" panose="02000603000000000000" pitchFamily="2" charset="0"/>
+                <a:ea typeface="CMU Serif Roman" panose="02000603000000000000" pitchFamily="2" charset="0"/>
+                <a:cs typeface="CMU Serif Roman" panose="02000603000000000000" pitchFamily="2" charset="0"/>
+              </a:rPr>
+              <a:t>2</a:t>
+            </a:r>
+          </a:p>
+        </p:txBody>
+      </p:sp>
+      <p:sp>
+        <p:nvSpPr>
+          <p:cNvPr id="13" name="Ovale 12">
+            <a:extLst>
+              <a:ext uri="{FF2B5EF4-FFF2-40B4-BE49-F238E27FC236}">
+                <a16:creationId xmlns:a16="http://schemas.microsoft.com/office/drawing/2014/main" id="{61176A9A-7DF4-67C0-E532-D010EE01B509}"/>
+              </a:ext>
+            </a:extLst>
+          </p:cNvPr>
+          <p:cNvSpPr/>
+          <p:nvPr/>
+        </p:nvSpPr>
+        <p:spPr>
+          <a:xfrm>
+            <a:off x="2290409" y="2759871"/>
+            <a:ext cx="108000" cy="108000"/>
+          </a:xfrm>
+          <a:prstGeom prst="ellipse">
+            <a:avLst/>
+          </a:prstGeom>
+          <a:noFill/>
+          <a:ln w="6350"/>
+        </p:spPr>
+        <p:style>
+          <a:lnRef idx="2">
+            <a:schemeClr val="accent1">
+              <a:shade val="15000"/>
+            </a:schemeClr>
+          </a:lnRef>
+          <a:fillRef idx="1">
+            <a:schemeClr val="accent1"/>
+          </a:fillRef>
+          <a:effectRef idx="0">
+            <a:schemeClr val="accent1"/>
+          </a:effectRef>
+          <a:fontRef idx="minor">
+            <a:schemeClr val="lt1"/>
+          </a:fontRef>
+        </p:style>
+        <p:txBody>
+          <a:bodyPr rtlCol="0" anchor="ctr"/>
+          <a:lstStyle/>
+          <a:p>
+            <a:pPr algn="ctr"/>
+            <a:r>
+              <a:rPr lang="it-IT" sz="700" dirty="0">
+                <a:solidFill>
+                  <a:schemeClr val="tx1"/>
+                </a:solidFill>
+                <a:latin typeface="CMU Serif Roman" panose="02000603000000000000" pitchFamily="2" charset="0"/>
+                <a:ea typeface="CMU Serif Roman" panose="02000603000000000000" pitchFamily="2" charset="0"/>
+                <a:cs typeface="CMU Serif Roman" panose="02000603000000000000" pitchFamily="2" charset="0"/>
+              </a:rPr>
+              <a:t>4</a:t>
+            </a:r>
+          </a:p>
+        </p:txBody>
+      </p:sp>
+      <p:sp>
+        <p:nvSpPr>
+          <p:cNvPr id="14" name="Ovale 13">
+            <a:extLst>
+              <a:ext uri="{FF2B5EF4-FFF2-40B4-BE49-F238E27FC236}">
+                <a16:creationId xmlns:a16="http://schemas.microsoft.com/office/drawing/2014/main" id="{4DE48C39-479C-564D-E130-8FAF20AED25F}"/>
+              </a:ext>
+            </a:extLst>
+          </p:cNvPr>
+          <p:cNvSpPr/>
+          <p:nvPr/>
+        </p:nvSpPr>
+        <p:spPr>
+          <a:xfrm>
+            <a:off x="1916928" y="2077337"/>
+            <a:ext cx="108000" cy="108000"/>
+          </a:xfrm>
+          <a:prstGeom prst="ellipse">
+            <a:avLst/>
+          </a:prstGeom>
+          <a:noFill/>
+          <a:ln w="6350"/>
+        </p:spPr>
+        <p:style>
+          <a:lnRef idx="2">
+            <a:schemeClr val="accent1">
+              <a:shade val="15000"/>
+            </a:schemeClr>
+          </a:lnRef>
+          <a:fillRef idx="1">
+            <a:schemeClr val="accent1"/>
+          </a:fillRef>
+          <a:effectRef idx="0">
+            <a:schemeClr val="accent1"/>
+          </a:effectRef>
+          <a:fontRef idx="minor">
+            <a:schemeClr val="lt1"/>
+          </a:fontRef>
+        </p:style>
+        <p:txBody>
+          <a:bodyPr rtlCol="0" anchor="ctr"/>
+          <a:lstStyle/>
+          <a:p>
+            <a:pPr algn="ctr"/>
+            <a:r>
+              <a:rPr lang="it-IT" sz="700" dirty="0">
+                <a:solidFill>
+                  <a:schemeClr val="tx1"/>
+                </a:solidFill>
+                <a:latin typeface="CMU Serif Roman" panose="02000603000000000000" pitchFamily="2" charset="0"/>
+                <a:ea typeface="CMU Serif Roman" panose="02000603000000000000" pitchFamily="2" charset="0"/>
+                <a:cs typeface="CMU Serif Roman" panose="02000603000000000000" pitchFamily="2" charset="0"/>
+              </a:rPr>
+              <a:t>3</a:t>
+            </a:r>
+          </a:p>
+        </p:txBody>
+      </p:sp>
+      <p:sp>
+        <p:nvSpPr>
+          <p:cNvPr id="15" name="Ovale 14">
+            <a:extLst>
+              <a:ext uri="{FF2B5EF4-FFF2-40B4-BE49-F238E27FC236}">
+                <a16:creationId xmlns:a16="http://schemas.microsoft.com/office/drawing/2014/main" id="{55A57DFF-1D42-4934-3E96-10BB518BCC69}"/>
+              </a:ext>
+            </a:extLst>
+          </p:cNvPr>
+          <p:cNvSpPr/>
+          <p:nvPr/>
+        </p:nvSpPr>
+        <p:spPr>
+          <a:xfrm>
+            <a:off x="2440995" y="3220246"/>
+            <a:ext cx="108000" cy="108000"/>
+          </a:xfrm>
+          <a:prstGeom prst="ellipse">
+            <a:avLst/>
+          </a:prstGeom>
+          <a:noFill/>
+          <a:ln w="6350"/>
+        </p:spPr>
+        <p:style>
+          <a:lnRef idx="2">
+            <a:schemeClr val="accent1">
+              <a:shade val="15000"/>
+            </a:schemeClr>
+          </a:lnRef>
+          <a:fillRef idx="1">
+            <a:schemeClr val="accent1"/>
+          </a:fillRef>
+          <a:effectRef idx="0">
+            <a:schemeClr val="accent1"/>
+          </a:effectRef>
+          <a:fontRef idx="minor">
+            <a:schemeClr val="lt1"/>
+          </a:fontRef>
+        </p:style>
+        <p:txBody>
+          <a:bodyPr rtlCol="0" anchor="ctr"/>
+          <a:lstStyle/>
+          <a:p>
+            <a:pPr algn="ctr"/>
+            <a:r>
+              <a:rPr lang="it-IT" sz="700" dirty="0">
+                <a:solidFill>
+                  <a:schemeClr val="tx1"/>
+                </a:solidFill>
+                <a:latin typeface="CMU Serif Roman" panose="02000603000000000000" pitchFamily="2" charset="0"/>
+                <a:ea typeface="CMU Serif Roman" panose="02000603000000000000" pitchFamily="2" charset="0"/>
+                <a:cs typeface="CMU Serif Roman" panose="02000603000000000000" pitchFamily="2" charset="0"/>
+              </a:rPr>
+              <a:t>5</a:t>
+            </a:r>
+          </a:p>
+        </p:txBody>
+      </p:sp>
     </p:spTree>
   </p:cSld>
   <p:clrMapOvr>
@@ -23726,260 +24095,6 @@
           </a:p>
         </p:txBody>
       </p:sp>
-      <p:cxnSp>
-        <p:nvCxnSpPr>
-          <p:cNvPr id="5" name="Google Shape;248;p7">
-            <a:extLst>
-              <a:ext uri="{FF2B5EF4-FFF2-40B4-BE49-F238E27FC236}">
-                <a16:creationId xmlns:a16="http://schemas.microsoft.com/office/drawing/2014/main" id="{51AB2E10-09F7-3515-5AB9-C8CB02DA64A3}"/>
-              </a:ext>
-            </a:extLst>
-          </p:cNvPr>
-          <p:cNvCxnSpPr>
-            <a:cxnSpLocks/>
-          </p:cNvCxnSpPr>
-          <p:nvPr/>
-        </p:nvCxnSpPr>
-        <p:spPr>
-          <a:xfrm>
-            <a:off x="4750010" y="4338587"/>
-            <a:ext cx="750754" cy="0"/>
-          </a:xfrm>
-          <a:prstGeom prst="straightConnector1">
-            <a:avLst/>
-          </a:prstGeom>
-          <a:noFill/>
-          <a:ln w="12700" cap="rnd" cmpd="sng">
-            <a:solidFill>
-              <a:schemeClr val="dk1"/>
-            </a:solidFill>
-            <a:prstDash val="solid"/>
-            <a:miter lim="800000"/>
-            <a:headEnd type="none" w="sm" len="sm"/>
-            <a:tailEnd type="stealth" w="med" len="med"/>
-          </a:ln>
-        </p:spPr>
-      </p:cxnSp>
-      <p:cxnSp>
-        <p:nvCxnSpPr>
-          <p:cNvPr id="6" name="Google Shape;249;p7">
-            <a:extLst>
-              <a:ext uri="{FF2B5EF4-FFF2-40B4-BE49-F238E27FC236}">
-                <a16:creationId xmlns:a16="http://schemas.microsoft.com/office/drawing/2014/main" id="{5C7CB3C7-3D73-23D5-612B-49EEAEBF85A3}"/>
-              </a:ext>
-            </a:extLst>
-          </p:cNvPr>
-          <p:cNvCxnSpPr>
-            <a:cxnSpLocks/>
-          </p:cNvCxnSpPr>
-          <p:nvPr/>
-        </p:nvCxnSpPr>
-        <p:spPr>
-          <a:xfrm rot="10800000">
-            <a:off x="4750010" y="4151511"/>
-            <a:ext cx="701940" cy="0"/>
-          </a:xfrm>
-          <a:prstGeom prst="straightConnector1">
-            <a:avLst/>
-          </a:prstGeom>
-          <a:noFill/>
-          <a:ln w="12700" cap="rnd" cmpd="sng">
-            <a:solidFill>
-              <a:schemeClr val="dk1"/>
-            </a:solidFill>
-            <a:prstDash val="solid"/>
-            <a:miter lim="800000"/>
-            <a:headEnd type="none" w="sm" len="sm"/>
-            <a:tailEnd type="stealth" w="med" len="med"/>
-          </a:ln>
-        </p:spPr>
-      </p:cxnSp>
-      <p:sp>
-        <p:nvSpPr>
-          <p:cNvPr id="7" name="Google Shape;250;p7">
-            <a:extLst>
-              <a:ext uri="{FF2B5EF4-FFF2-40B4-BE49-F238E27FC236}">
-                <a16:creationId xmlns:a16="http://schemas.microsoft.com/office/drawing/2014/main" id="{93953B51-FAAA-41B1-6155-FDD62976E281}"/>
-              </a:ext>
-            </a:extLst>
-          </p:cNvPr>
-          <p:cNvSpPr txBox="1"/>
-          <p:nvPr/>
-        </p:nvSpPr>
-        <p:spPr>
-          <a:xfrm>
-            <a:off x="4283744" y="4368119"/>
-            <a:ext cx="1634472" cy="261610"/>
-          </a:xfrm>
-          <a:prstGeom prst="rect">
-            <a:avLst/>
-          </a:prstGeom>
-          <a:noFill/>
-          <a:ln>
-            <a:noFill/>
-          </a:ln>
-        </p:spPr>
-        <p:txBody>
-          <a:bodyPr spcFirstLastPara="1" wrap="square" lIns="91425" tIns="45700" rIns="91425" bIns="45700" anchor="t" anchorCtr="0">
-            <a:spAutoFit/>
-          </a:bodyPr>
-          <a:lstStyle/>
-          <a:p>
-            <a:pPr marL="0" marR="0" lvl="0" indent="0" algn="ctr" rtl="0">
-              <a:spcBef>
-                <a:spcPts val="0"/>
-              </a:spcBef>
-              <a:spcAft>
-                <a:spcPts val="0"/>
-              </a:spcAft>
-              <a:buNone/>
-            </a:pPr>
-            <a:r>
-              <a:rPr lang="it-IT" sz="1100" b="0" i="1" u="none" strike="noStrike" cap="none" dirty="0" err="1">
-                <a:solidFill>
-                  <a:schemeClr val="dk1"/>
-                </a:solidFill>
-                <a:latin typeface="CMU SERIF ROMAN" panose="02000603000000000000" pitchFamily="2" charset="0"/>
-                <a:ea typeface="CMU SERIF ROMAN" panose="02000603000000000000" pitchFamily="2" charset="0"/>
-                <a:cs typeface="CMU SERIF ROMAN" panose="02000603000000000000" pitchFamily="2" charset="0"/>
-                <a:sym typeface="Arial"/>
-              </a:rPr>
-              <a:t>Result</a:t>
-            </a:r>
-            <a:endParaRPr dirty="0">
-              <a:latin typeface="CMU Serif Roman" panose="02000603000000000000" pitchFamily="2" charset="0"/>
-              <a:ea typeface="CMU Serif Roman" panose="02000603000000000000" pitchFamily="2" charset="0"/>
-              <a:cs typeface="CMU Serif Roman" panose="02000603000000000000" pitchFamily="2" charset="0"/>
-            </a:endParaRPr>
-          </a:p>
-        </p:txBody>
-      </p:sp>
-      <p:sp>
-        <p:nvSpPr>
-          <p:cNvPr id="8" name="Google Shape;251;p7">
-            <a:extLst>
-              <a:ext uri="{FF2B5EF4-FFF2-40B4-BE49-F238E27FC236}">
-                <a16:creationId xmlns:a16="http://schemas.microsoft.com/office/drawing/2014/main" id="{02C88848-6D1D-5A05-05F0-56F09163429E}"/>
-              </a:ext>
-            </a:extLst>
-          </p:cNvPr>
-          <p:cNvSpPr txBox="1"/>
-          <p:nvPr/>
-        </p:nvSpPr>
-        <p:spPr>
-          <a:xfrm>
-            <a:off x="4308151" y="3839769"/>
-            <a:ext cx="1634472" cy="261610"/>
-          </a:xfrm>
-          <a:prstGeom prst="rect">
-            <a:avLst/>
-          </a:prstGeom>
-          <a:noFill/>
-          <a:ln>
-            <a:noFill/>
-          </a:ln>
-        </p:spPr>
-        <p:txBody>
-          <a:bodyPr spcFirstLastPara="1" wrap="square" lIns="91425" tIns="45700" rIns="91425" bIns="45700" anchor="t" anchorCtr="0">
-            <a:spAutoFit/>
-          </a:bodyPr>
-          <a:lstStyle/>
-          <a:p>
-            <a:pPr marL="0" marR="0" lvl="0" indent="0" algn="ctr" rtl="0">
-              <a:spcBef>
-                <a:spcPts val="0"/>
-              </a:spcBef>
-              <a:spcAft>
-                <a:spcPts val="0"/>
-              </a:spcAft>
-              <a:buNone/>
-            </a:pPr>
-            <a:r>
-              <a:rPr lang="it-IT" sz="1100" b="0" i="1" u="none" strike="noStrike" cap="none">
-                <a:solidFill>
-                  <a:schemeClr val="dk1"/>
-                </a:solidFill>
-                <a:latin typeface="CMU SERIF ROMAN" panose="02000603000000000000" pitchFamily="2" charset="0"/>
-                <a:ea typeface="CMU SERIF ROMAN" panose="02000603000000000000" pitchFamily="2" charset="0"/>
-                <a:cs typeface="CMU SERIF ROMAN" panose="02000603000000000000" pitchFamily="2" charset="0"/>
-                <a:sym typeface="Arial"/>
-              </a:rPr>
-              <a:t>Prompt</a:t>
-            </a:r>
-            <a:endParaRPr>
-              <a:latin typeface="CMU Serif Roman" panose="02000603000000000000" pitchFamily="2" charset="0"/>
-              <a:ea typeface="CMU Serif Roman" panose="02000603000000000000" pitchFamily="2" charset="0"/>
-              <a:cs typeface="CMU Serif Roman" panose="02000603000000000000" pitchFamily="2" charset="0"/>
-            </a:endParaRPr>
-          </a:p>
-        </p:txBody>
-      </p:sp>
-      <p:pic>
-        <p:nvPicPr>
-          <p:cNvPr id="9" name="Google Shape;252;p7">
-            <a:extLst>
-              <a:ext uri="{FF2B5EF4-FFF2-40B4-BE49-F238E27FC236}">
-                <a16:creationId xmlns:a16="http://schemas.microsoft.com/office/drawing/2014/main" id="{CA3406D2-5476-83D6-BF8E-B3095E1C42C9}"/>
-              </a:ext>
-            </a:extLst>
-          </p:cNvPr>
-          <p:cNvPicPr preferRelativeResize="0"/>
-          <p:nvPr/>
-        </p:nvPicPr>
-        <p:blipFill rotWithShape="1">
-          <a:blip r:embed="rId4">
-            <a:alphaModFix/>
-          </a:blip>
-          <a:srcRect/>
-          <a:stretch/>
-        </p:blipFill>
-        <p:spPr>
-          <a:xfrm>
-            <a:off x="5609727" y="3834011"/>
-            <a:ext cx="635000" cy="635000"/>
-          </a:xfrm>
-          <a:prstGeom prst="rect">
-            <a:avLst/>
-          </a:prstGeom>
-          <a:noFill/>
-          <a:ln>
-            <a:noFill/>
-          </a:ln>
-        </p:spPr>
-      </p:pic>
-      <p:pic>
-        <p:nvPicPr>
-          <p:cNvPr id="10" name="Google Shape;253;p7">
-            <a:extLst>
-              <a:ext uri="{FF2B5EF4-FFF2-40B4-BE49-F238E27FC236}">
-                <a16:creationId xmlns:a16="http://schemas.microsoft.com/office/drawing/2014/main" id="{B44FA4BB-25F5-2C5D-B9C3-7B20088E22F3}"/>
-              </a:ext>
-            </a:extLst>
-          </p:cNvPr>
-          <p:cNvPicPr preferRelativeResize="0"/>
-          <p:nvPr/>
-        </p:nvPicPr>
-        <p:blipFill rotWithShape="1">
-          <a:blip r:embed="rId5">
-            <a:alphaModFix/>
-          </a:blip>
-          <a:srcRect/>
-          <a:stretch/>
-        </p:blipFill>
-        <p:spPr>
-          <a:xfrm>
-            <a:off x="4995206" y="3579330"/>
-            <a:ext cx="279824" cy="279824"/>
-          </a:xfrm>
-          <a:prstGeom prst="rect">
-            <a:avLst/>
-          </a:prstGeom>
-          <a:noFill/>
-          <a:ln>
-            <a:noFill/>
-          </a:ln>
-        </p:spPr>
-      </p:pic>
       <p:grpSp>
         <p:nvGrpSpPr>
           <p:cNvPr id="14" name="Google Shape;257;p7">
@@ -24152,39 +24267,6 @@
       </p:grpSp>
       <p:pic>
         <p:nvPicPr>
-          <p:cNvPr id="20" name="Google Shape;263;p7">
-            <a:extLst>
-              <a:ext uri="{FF2B5EF4-FFF2-40B4-BE49-F238E27FC236}">
-                <a16:creationId xmlns:a16="http://schemas.microsoft.com/office/drawing/2014/main" id="{7710AD13-6131-9367-F809-91FB799EC994}"/>
-              </a:ext>
-            </a:extLst>
-          </p:cNvPr>
-          <p:cNvPicPr preferRelativeResize="0"/>
-          <p:nvPr/>
-        </p:nvPicPr>
-        <p:blipFill rotWithShape="1">
-          <a:blip r:embed="rId6">
-            <a:alphaModFix/>
-          </a:blip>
-          <a:srcRect/>
-          <a:stretch/>
-        </p:blipFill>
-        <p:spPr>
-          <a:xfrm>
-            <a:off x="4970175" y="4607316"/>
-            <a:ext cx="261610" cy="261610"/>
-          </a:xfrm>
-          <a:prstGeom prst="rect">
-            <a:avLst/>
-          </a:prstGeom>
-          <a:noFill/>
-          <a:ln>
-            <a:noFill/>
-          </a:ln>
-        </p:spPr>
-      </p:pic>
-      <p:pic>
-        <p:nvPicPr>
           <p:cNvPr id="21" name="Google Shape;264;p7">
             <a:extLst>
               <a:ext uri="{FF2B5EF4-FFF2-40B4-BE49-F238E27FC236}">
@@ -24196,7 +24278,7 @@
           <p:nvPr/>
         </p:nvPicPr>
         <p:blipFill rotWithShape="1">
-          <a:blip r:embed="rId7">
+          <a:blip r:embed="rId4">
             <a:alphaModFix/>
           </a:blip>
           <a:srcRect/>
@@ -24357,7 +24439,7 @@
           <p:nvPr/>
         </p:nvPicPr>
         <p:blipFill>
-          <a:blip r:embed="rId8">
+          <a:blip r:embed="rId5">
             <a:extLst>
               <a:ext uri="{28A0092B-C50C-407E-A947-70E740481C1C}">
                 <a14:useLocalDpi xmlns:a14="http://schemas.microsoft.com/office/drawing/2010/main" val="0"/>
@@ -24404,7 +24486,7 @@
           <p:nvPr/>
         </p:nvPicPr>
         <p:blipFill>
-          <a:blip r:embed="rId8">
+          <a:blip r:embed="rId5">
             <a:extLst>
               <a:ext uri="{28A0092B-C50C-407E-A947-70E740481C1C}">
                 <a14:useLocalDpi xmlns:a14="http://schemas.microsoft.com/office/drawing/2010/main" val="0"/>
@@ -24451,7 +24533,7 @@
           <p:nvPr/>
         </p:nvPicPr>
         <p:blipFill>
-          <a:blip r:embed="rId9">
+          <a:blip r:embed="rId6">
             <a:extLst>
               <a:ext uri="{28A0092B-C50C-407E-A947-70E740481C1C}">
                 <a14:useLocalDpi xmlns:a14="http://schemas.microsoft.com/office/drawing/2010/main" val="0"/>
@@ -24498,7 +24580,7 @@
           <p:nvPr/>
         </p:nvPicPr>
         <p:blipFill>
-          <a:blip r:embed="rId8">
+          <a:blip r:embed="rId5">
             <a:extLst>
               <a:ext uri="{28A0092B-C50C-407E-A947-70E740481C1C}">
                 <a14:useLocalDpi xmlns:a14="http://schemas.microsoft.com/office/drawing/2010/main" val="0"/>
@@ -24545,7 +24627,7 @@
           <p:nvPr/>
         </p:nvPicPr>
         <p:blipFill>
-          <a:blip r:embed="rId8">
+          <a:blip r:embed="rId5">
             <a:extLst>
               <a:ext uri="{28A0092B-C50C-407E-A947-70E740481C1C}">
                 <a14:useLocalDpi xmlns:a14="http://schemas.microsoft.com/office/drawing/2010/main" val="0"/>
@@ -24592,7 +24674,7 @@
           <p:nvPr/>
         </p:nvPicPr>
         <p:blipFill>
-          <a:blip r:embed="rId8">
+          <a:blip r:embed="rId5">
             <a:extLst>
               <a:ext uri="{28A0092B-C50C-407E-A947-70E740481C1C}">
                 <a14:useLocalDpi xmlns:a14="http://schemas.microsoft.com/office/drawing/2010/main" val="0"/>
@@ -24639,7 +24721,7 @@
           <p:nvPr/>
         </p:nvPicPr>
         <p:blipFill>
-          <a:blip r:embed="rId9">
+          <a:blip r:embed="rId6">
             <a:extLst>
               <a:ext uri="{28A0092B-C50C-407E-A947-70E740481C1C}">
                 <a14:useLocalDpi xmlns:a14="http://schemas.microsoft.com/office/drawing/2010/main" val="0"/>
@@ -24686,7 +24768,7 @@
           <p:nvPr/>
         </p:nvPicPr>
         <p:blipFill>
-          <a:blip r:embed="rId9">
+          <a:blip r:embed="rId6">
             <a:extLst>
               <a:ext uri="{28A0092B-C50C-407E-A947-70E740481C1C}">
                 <a14:useLocalDpi xmlns:a14="http://schemas.microsoft.com/office/drawing/2010/main" val="0"/>
@@ -24733,7 +24815,7 @@
           <p:nvPr/>
         </p:nvPicPr>
         <p:blipFill>
-          <a:blip r:embed="rId8">
+          <a:blip r:embed="rId5">
             <a:extLst>
               <a:ext uri="{28A0092B-C50C-407E-A947-70E740481C1C}">
                 <a14:useLocalDpi xmlns:a14="http://schemas.microsoft.com/office/drawing/2010/main" val="0"/>
@@ -25450,12 +25532,45 @@
           </p:spPr>
         </p:cxnSp>
       </p:grpSp>
+      <p:pic>
+        <p:nvPicPr>
+          <p:cNvPr id="34" name="Google Shape;292;g3a32454e9ed_0_0">
+            <a:extLst>
+              <a:ext uri="{FF2B5EF4-FFF2-40B4-BE49-F238E27FC236}">
+                <a16:creationId xmlns:a16="http://schemas.microsoft.com/office/drawing/2014/main" id="{B4CA4095-5276-2659-2311-9D420853B0FA}"/>
+              </a:ext>
+            </a:extLst>
+          </p:cNvPr>
+          <p:cNvPicPr preferRelativeResize="0"/>
+          <p:nvPr/>
+        </p:nvPicPr>
+        <p:blipFill rotWithShape="1">
+          <a:blip r:embed="rId7">
+            <a:alphaModFix/>
+          </a:blip>
+          <a:srcRect/>
+          <a:stretch/>
+        </p:blipFill>
+        <p:spPr>
+          <a:xfrm>
+            <a:off x="5326540" y="3602986"/>
+            <a:ext cx="609600" cy="609600"/>
+          </a:xfrm>
+          <a:prstGeom prst="rect">
+            <a:avLst/>
+          </a:prstGeom>
+          <a:noFill/>
+          <a:ln>
+            <a:noFill/>
+          </a:ln>
+        </p:spPr>
+      </p:pic>
       <p:sp>
         <p:nvSpPr>
-          <p:cNvPr id="61" name="Google Shape;246;p7">
+          <p:cNvPr id="35" name="Google Shape;293;g3a32454e9ed_0_0">
             <a:extLst>
               <a:ext uri="{FF2B5EF4-FFF2-40B4-BE49-F238E27FC236}">
-                <a16:creationId xmlns:a16="http://schemas.microsoft.com/office/drawing/2014/main" id="{A3E79A1D-A1E1-38FF-2BAF-19A4A6D6CB6E}"/>
+                <a16:creationId xmlns:a16="http://schemas.microsoft.com/office/drawing/2014/main" id="{2B4584C5-B212-1C02-9B0C-BCE3177A47AA}"/>
               </a:ext>
             </a:extLst>
           </p:cNvPr>
@@ -25464,8 +25579,313 @@
         </p:nvSpPr>
         <p:spPr>
           <a:xfrm>
-            <a:off x="5109991" y="4429177"/>
-            <a:ext cx="1634472" cy="307777"/>
+            <a:off x="4814104" y="4217596"/>
+            <a:ext cx="1634400" cy="523200"/>
+          </a:xfrm>
+          <a:prstGeom prst="rect">
+            <a:avLst/>
+          </a:prstGeom>
+          <a:noFill/>
+          <a:ln>
+            <a:noFill/>
+          </a:ln>
+        </p:spPr>
+        <p:txBody>
+          <a:bodyPr spcFirstLastPara="1" wrap="square" lIns="91425" tIns="45700" rIns="91425" bIns="45700" anchor="t" anchorCtr="0">
+            <a:spAutoFit/>
+          </a:bodyPr>
+          <a:lstStyle/>
+          <a:p>
+            <a:pPr marL="0" marR="0" lvl="0" indent="0" algn="ctr" rtl="0">
+              <a:spcBef>
+                <a:spcPts val="0"/>
+              </a:spcBef>
+              <a:spcAft>
+                <a:spcPts val="0"/>
+              </a:spcAft>
+              <a:buNone/>
+            </a:pPr>
+            <a:r>
+              <a:rPr lang="it-IT" sz="1400" b="1" i="0" u="none" strike="noStrike" cap="none" dirty="0">
+                <a:solidFill>
+                  <a:schemeClr val="dk1"/>
+                </a:solidFill>
+                <a:latin typeface="CMU SERIF ROMAN" panose="02000603000000000000" pitchFamily="2" charset="0"/>
+                <a:ea typeface="CMU SERIF ROMAN" panose="02000603000000000000" pitchFamily="2" charset="0"/>
+                <a:cs typeface="CMU SERIF ROMAN" panose="02000603000000000000" pitchFamily="2" charset="0"/>
+                <a:sym typeface="Arial"/>
+              </a:rPr>
+              <a:t>Coordinator</a:t>
+            </a:r>
+            <a:endParaRPr b="1" dirty="0">
+              <a:latin typeface="CMU SERIF ROMAN" panose="02000603000000000000" pitchFamily="2" charset="0"/>
+              <a:ea typeface="CMU SERIF ROMAN" panose="02000603000000000000" pitchFamily="2" charset="0"/>
+              <a:cs typeface="CMU SERIF ROMAN" panose="02000603000000000000" pitchFamily="2" charset="0"/>
+            </a:endParaRPr>
+          </a:p>
+          <a:p>
+            <a:pPr marL="0" marR="0" lvl="0" indent="0" algn="ctr" rtl="0">
+              <a:spcBef>
+                <a:spcPts val="0"/>
+              </a:spcBef>
+              <a:spcAft>
+                <a:spcPts val="0"/>
+              </a:spcAft>
+              <a:buNone/>
+            </a:pPr>
+            <a:r>
+              <a:rPr lang="it-IT" sz="1400" b="1" i="0" u="none" strike="noStrike" cap="none" dirty="0">
+                <a:solidFill>
+                  <a:schemeClr val="dk1"/>
+                </a:solidFill>
+                <a:latin typeface="CMU SERIF ROMAN" panose="02000603000000000000" pitchFamily="2" charset="0"/>
+                <a:ea typeface="CMU SERIF ROMAN" panose="02000603000000000000" pitchFamily="2" charset="0"/>
+                <a:cs typeface="CMU SERIF ROMAN" panose="02000603000000000000" pitchFamily="2" charset="0"/>
+                <a:sym typeface="Arial"/>
+              </a:rPr>
+              <a:t>Agent</a:t>
+            </a:r>
+            <a:endParaRPr b="1" dirty="0">
+              <a:latin typeface="CMU SERIF ROMAN" panose="02000603000000000000" pitchFamily="2" charset="0"/>
+              <a:ea typeface="CMU SERIF ROMAN" panose="02000603000000000000" pitchFamily="2" charset="0"/>
+              <a:cs typeface="CMU SERIF ROMAN" panose="02000603000000000000" pitchFamily="2" charset="0"/>
+            </a:endParaRPr>
+          </a:p>
+        </p:txBody>
+      </p:sp>
+      <p:cxnSp>
+        <p:nvCxnSpPr>
+          <p:cNvPr id="36" name="Google Shape;299;g3a32454e9ed_0_0">
+            <a:extLst>
+              <a:ext uri="{FF2B5EF4-FFF2-40B4-BE49-F238E27FC236}">
+                <a16:creationId xmlns:a16="http://schemas.microsoft.com/office/drawing/2014/main" id="{4AFD66EE-EAAE-DF00-3657-1DEFB58CF9F9}"/>
+              </a:ext>
+            </a:extLst>
+          </p:cNvPr>
+          <p:cNvCxnSpPr/>
+          <p:nvPr/>
+        </p:nvCxnSpPr>
+        <p:spPr>
+          <a:xfrm>
+            <a:off x="6233870" y="4358479"/>
+            <a:ext cx="750900" cy="0"/>
+          </a:xfrm>
+          <a:prstGeom prst="straightConnector1">
+            <a:avLst/>
+          </a:prstGeom>
+          <a:noFill/>
+          <a:ln w="12700" cap="rnd" cmpd="sng">
+            <a:solidFill>
+              <a:schemeClr val="dk1"/>
+            </a:solidFill>
+            <a:prstDash val="solid"/>
+            <a:miter lim="800000"/>
+            <a:headEnd type="none" w="sm" len="sm"/>
+            <a:tailEnd type="stealth" w="med" len="med"/>
+          </a:ln>
+        </p:spPr>
+      </p:cxnSp>
+      <p:cxnSp>
+        <p:nvCxnSpPr>
+          <p:cNvPr id="37" name="Google Shape;300;g3a32454e9ed_0_0">
+            <a:extLst>
+              <a:ext uri="{FF2B5EF4-FFF2-40B4-BE49-F238E27FC236}">
+                <a16:creationId xmlns:a16="http://schemas.microsoft.com/office/drawing/2014/main" id="{32FD5EBB-36A3-13DA-E8F6-3B3641CF0521}"/>
+              </a:ext>
+            </a:extLst>
+          </p:cNvPr>
+          <p:cNvCxnSpPr/>
+          <p:nvPr/>
+        </p:nvCxnSpPr>
+        <p:spPr>
+          <a:xfrm rot="10800000">
+            <a:off x="6233810" y="4171404"/>
+            <a:ext cx="702000" cy="0"/>
+          </a:xfrm>
+          <a:prstGeom prst="straightConnector1">
+            <a:avLst/>
+          </a:prstGeom>
+          <a:noFill/>
+          <a:ln w="12700" cap="rnd" cmpd="sng">
+            <a:solidFill>
+              <a:schemeClr val="dk1"/>
+            </a:solidFill>
+            <a:prstDash val="solid"/>
+            <a:miter lim="800000"/>
+            <a:headEnd type="none" w="sm" len="sm"/>
+            <a:tailEnd type="stealth" w="med" len="med"/>
+          </a:ln>
+        </p:spPr>
+      </p:cxnSp>
+      <p:sp>
+        <p:nvSpPr>
+          <p:cNvPr id="38" name="Google Shape;301;g3a32454e9ed_0_0">
+            <a:extLst>
+              <a:ext uri="{FF2B5EF4-FFF2-40B4-BE49-F238E27FC236}">
+                <a16:creationId xmlns:a16="http://schemas.microsoft.com/office/drawing/2014/main" id="{87464E88-7052-3F41-0384-60269E0CFCD5}"/>
+              </a:ext>
+            </a:extLst>
+          </p:cNvPr>
+          <p:cNvSpPr txBox="1"/>
+          <p:nvPr/>
+        </p:nvSpPr>
+        <p:spPr>
+          <a:xfrm>
+            <a:off x="5767604" y="4388011"/>
+            <a:ext cx="1634400" cy="261600"/>
+          </a:xfrm>
+          <a:prstGeom prst="rect">
+            <a:avLst/>
+          </a:prstGeom>
+          <a:noFill/>
+          <a:ln>
+            <a:noFill/>
+          </a:ln>
+        </p:spPr>
+        <p:txBody>
+          <a:bodyPr spcFirstLastPara="1" wrap="square" lIns="91425" tIns="45700" rIns="91425" bIns="45700" anchor="t" anchorCtr="0">
+            <a:spAutoFit/>
+          </a:bodyPr>
+          <a:lstStyle/>
+          <a:p>
+            <a:pPr marL="0" marR="0" lvl="0" indent="0" algn="ctr" rtl="0">
+              <a:spcBef>
+                <a:spcPts val="0"/>
+              </a:spcBef>
+              <a:spcAft>
+                <a:spcPts val="0"/>
+              </a:spcAft>
+              <a:buNone/>
+            </a:pPr>
+            <a:r>
+              <a:rPr lang="it-IT" sz="1100" b="0" i="1" u="none" strike="noStrike" cap="none">
+                <a:solidFill>
+                  <a:schemeClr val="dk1"/>
+                </a:solidFill>
+                <a:latin typeface="CMU SERIF ROMAN" panose="02000603000000000000" pitchFamily="2" charset="0"/>
+                <a:ea typeface="CMU SERIF ROMAN" panose="02000603000000000000" pitchFamily="2" charset="0"/>
+                <a:cs typeface="CMU SERIF ROMAN" panose="02000603000000000000" pitchFamily="2" charset="0"/>
+                <a:sym typeface="Arial"/>
+              </a:rPr>
+              <a:t>Result</a:t>
+            </a:r>
+            <a:endParaRPr>
+              <a:latin typeface="CMU Serif Roman" panose="02000603000000000000" pitchFamily="2" charset="0"/>
+              <a:ea typeface="CMU Serif Roman" panose="02000603000000000000" pitchFamily="2" charset="0"/>
+              <a:cs typeface="CMU Serif Roman" panose="02000603000000000000" pitchFamily="2" charset="0"/>
+            </a:endParaRPr>
+          </a:p>
+        </p:txBody>
+      </p:sp>
+      <p:sp>
+        <p:nvSpPr>
+          <p:cNvPr id="39" name="Google Shape;302;g3a32454e9ed_0_0">
+            <a:extLst>
+              <a:ext uri="{FF2B5EF4-FFF2-40B4-BE49-F238E27FC236}">
+                <a16:creationId xmlns:a16="http://schemas.microsoft.com/office/drawing/2014/main" id="{7A0F7740-61A2-0256-DB3A-5654B407F08E}"/>
+              </a:ext>
+            </a:extLst>
+          </p:cNvPr>
+          <p:cNvSpPr txBox="1"/>
+          <p:nvPr/>
+        </p:nvSpPr>
+        <p:spPr>
+          <a:xfrm>
+            <a:off x="5792011" y="3859661"/>
+            <a:ext cx="1634400" cy="261600"/>
+          </a:xfrm>
+          <a:prstGeom prst="rect">
+            <a:avLst/>
+          </a:prstGeom>
+          <a:noFill/>
+          <a:ln>
+            <a:noFill/>
+          </a:ln>
+        </p:spPr>
+        <p:txBody>
+          <a:bodyPr spcFirstLastPara="1" wrap="square" lIns="91425" tIns="45700" rIns="91425" bIns="45700" anchor="t" anchorCtr="0">
+            <a:spAutoFit/>
+          </a:bodyPr>
+          <a:lstStyle/>
+          <a:p>
+            <a:pPr marL="0" marR="0" lvl="0" indent="0" algn="ctr" rtl="0">
+              <a:spcBef>
+                <a:spcPts val="0"/>
+              </a:spcBef>
+              <a:spcAft>
+                <a:spcPts val="0"/>
+              </a:spcAft>
+              <a:buNone/>
+            </a:pPr>
+            <a:r>
+              <a:rPr lang="it-IT" sz="1100" b="0" i="1" u="none" strike="noStrike" cap="none">
+                <a:solidFill>
+                  <a:schemeClr val="dk1"/>
+                </a:solidFill>
+                <a:latin typeface="CMU SERIF ROMAN" panose="02000603000000000000" pitchFamily="2" charset="0"/>
+                <a:ea typeface="CMU SERIF ROMAN" panose="02000603000000000000" pitchFamily="2" charset="0"/>
+                <a:cs typeface="CMU SERIF ROMAN" panose="02000603000000000000" pitchFamily="2" charset="0"/>
+                <a:sym typeface="Arial"/>
+              </a:rPr>
+              <a:t>Prompt</a:t>
+            </a:r>
+            <a:endParaRPr>
+              <a:latin typeface="CMU Serif Roman" panose="02000603000000000000" pitchFamily="2" charset="0"/>
+              <a:ea typeface="CMU Serif Roman" panose="02000603000000000000" pitchFamily="2" charset="0"/>
+              <a:cs typeface="CMU Serif Roman" panose="02000603000000000000" pitchFamily="2" charset="0"/>
+            </a:endParaRPr>
+          </a:p>
+        </p:txBody>
+      </p:sp>
+      <p:pic>
+        <p:nvPicPr>
+          <p:cNvPr id="41" name="Google Shape;303;g3a32454e9ed_0_0">
+            <a:extLst>
+              <a:ext uri="{FF2B5EF4-FFF2-40B4-BE49-F238E27FC236}">
+                <a16:creationId xmlns:a16="http://schemas.microsoft.com/office/drawing/2014/main" id="{8F5B0039-2D29-2F68-86D8-991C52846151}"/>
+              </a:ext>
+            </a:extLst>
+          </p:cNvPr>
+          <p:cNvPicPr preferRelativeResize="0"/>
+          <p:nvPr/>
+        </p:nvPicPr>
+        <p:blipFill rotWithShape="1">
+          <a:blip r:embed="rId8">
+            <a:alphaModFix/>
+          </a:blip>
+          <a:srcRect/>
+          <a:stretch/>
+        </p:blipFill>
+        <p:spPr>
+          <a:xfrm>
+            <a:off x="7164003" y="3778198"/>
+            <a:ext cx="635000" cy="635000"/>
+          </a:xfrm>
+          <a:prstGeom prst="rect">
+            <a:avLst/>
+          </a:prstGeom>
+          <a:noFill/>
+          <a:ln>
+            <a:noFill/>
+          </a:ln>
+        </p:spPr>
+      </p:pic>
+      <p:sp>
+        <p:nvSpPr>
+          <p:cNvPr id="42" name="Google Shape;304;g3a32454e9ed_0_0">
+            <a:extLst>
+              <a:ext uri="{FF2B5EF4-FFF2-40B4-BE49-F238E27FC236}">
+                <a16:creationId xmlns:a16="http://schemas.microsoft.com/office/drawing/2014/main" id="{83BC13DF-1CE3-A3E3-09AA-1E0470C849A4}"/>
+              </a:ext>
+            </a:extLst>
+          </p:cNvPr>
+          <p:cNvSpPr txBox="1"/>
+          <p:nvPr/>
+        </p:nvSpPr>
+        <p:spPr>
+          <a:xfrm>
+            <a:off x="6674900" y="4370125"/>
+            <a:ext cx="1634400" cy="307800"/>
           </a:xfrm>
           <a:prstGeom prst="rect">
             <a:avLst/>
@@ -25502,7 +25922,157 @@
               </a:rPr>
               <a:t>Tool</a:t>
             </a:r>
-            <a:endParaRPr dirty="0">
+            <a:endParaRPr b="1" dirty="0">
+              <a:latin typeface="CMU SERIF ROMAN" panose="02000603000000000000" pitchFamily="2" charset="0"/>
+              <a:ea typeface="CMU SERIF ROMAN" panose="02000603000000000000" pitchFamily="2" charset="0"/>
+              <a:cs typeface="CMU SERIF ROMAN" panose="02000603000000000000" pitchFamily="2" charset="0"/>
+            </a:endParaRPr>
+          </a:p>
+        </p:txBody>
+      </p:sp>
+      <p:pic>
+        <p:nvPicPr>
+          <p:cNvPr id="44" name="Google Shape;306;g3a32454e9ed_0_0">
+            <a:extLst>
+              <a:ext uri="{FF2B5EF4-FFF2-40B4-BE49-F238E27FC236}">
+                <a16:creationId xmlns:a16="http://schemas.microsoft.com/office/drawing/2014/main" id="{CB965534-4D11-7787-A3C7-56503E32C6FE}"/>
+              </a:ext>
+            </a:extLst>
+          </p:cNvPr>
+          <p:cNvPicPr preferRelativeResize="0"/>
+          <p:nvPr/>
+        </p:nvPicPr>
+        <p:blipFill rotWithShape="1">
+          <a:blip r:embed="rId9">
+            <a:alphaModFix/>
+          </a:blip>
+          <a:srcRect/>
+          <a:stretch/>
+        </p:blipFill>
+        <p:spPr>
+          <a:xfrm>
+            <a:off x="6479066" y="3599223"/>
+            <a:ext cx="279824" cy="279824"/>
+          </a:xfrm>
+          <a:prstGeom prst="rect">
+            <a:avLst/>
+          </a:prstGeom>
+          <a:noFill/>
+          <a:ln>
+            <a:noFill/>
+          </a:ln>
+        </p:spPr>
+      </p:pic>
+      <p:cxnSp>
+        <p:nvCxnSpPr>
+          <p:cNvPr id="1024" name="Google Shape;299;g3a32454e9ed_0_0">
+            <a:extLst>
+              <a:ext uri="{FF2B5EF4-FFF2-40B4-BE49-F238E27FC236}">
+                <a16:creationId xmlns:a16="http://schemas.microsoft.com/office/drawing/2014/main" id="{647C77BE-5919-9767-173A-E0D924F0B8C1}"/>
+              </a:ext>
+            </a:extLst>
+          </p:cNvPr>
+          <p:cNvCxnSpPr>
+            <a:cxnSpLocks/>
+          </p:cNvCxnSpPr>
+          <p:nvPr/>
+        </p:nvCxnSpPr>
+        <p:spPr>
+          <a:xfrm>
+            <a:off x="4575324" y="4248590"/>
+            <a:ext cx="473790" cy="0"/>
+          </a:xfrm>
+          <a:prstGeom prst="straightConnector1">
+            <a:avLst/>
+          </a:prstGeom>
+          <a:noFill/>
+          <a:ln w="12700" cap="rnd" cmpd="sng">
+            <a:solidFill>
+              <a:schemeClr val="dk1"/>
+            </a:solidFill>
+            <a:prstDash val="solid"/>
+            <a:miter lim="800000"/>
+            <a:headEnd type="arrow" w="sm" len="sm"/>
+            <a:tailEnd type="stealth" w="med" len="med"/>
+          </a:ln>
+        </p:spPr>
+      </p:cxnSp>
+      <p:sp>
+        <p:nvSpPr>
+          <p:cNvPr id="1027" name="Google Shape;301;g3a32454e9ed_0_0">
+            <a:extLst>
+              <a:ext uri="{FF2B5EF4-FFF2-40B4-BE49-F238E27FC236}">
+                <a16:creationId xmlns:a16="http://schemas.microsoft.com/office/drawing/2014/main" id="{883256DA-6314-1823-4446-B4784E01EEDC}"/>
+              </a:ext>
+            </a:extLst>
+          </p:cNvPr>
+          <p:cNvSpPr txBox="1"/>
+          <p:nvPr/>
+        </p:nvSpPr>
+        <p:spPr>
+          <a:xfrm>
+            <a:off x="3991166" y="3852158"/>
+            <a:ext cx="1634400" cy="400069"/>
+          </a:xfrm>
+          <a:prstGeom prst="rect">
+            <a:avLst/>
+          </a:prstGeom>
+          <a:noFill/>
+          <a:ln>
+            <a:noFill/>
+          </a:ln>
+        </p:spPr>
+        <p:txBody>
+          <a:bodyPr spcFirstLastPara="1" wrap="square" lIns="91425" tIns="45700" rIns="91425" bIns="45700" anchor="t" anchorCtr="0">
+            <a:spAutoFit/>
+          </a:bodyPr>
+          <a:lstStyle/>
+          <a:p>
+            <a:pPr marL="0" marR="0" lvl="0" indent="0" algn="ctr" rtl="0">
+              <a:spcBef>
+                <a:spcPts val="0"/>
+              </a:spcBef>
+              <a:spcAft>
+                <a:spcPts val="0"/>
+              </a:spcAft>
+              <a:buNone/>
+            </a:pPr>
+            <a:r>
+              <a:rPr lang="it-IT" sz="1000" b="0" i="1" u="none" strike="noStrike" cap="none" dirty="0">
+                <a:solidFill>
+                  <a:schemeClr val="dk1"/>
+                </a:solidFill>
+                <a:latin typeface="CMU SERIF ROMAN" panose="02000603000000000000" pitchFamily="2" charset="0"/>
+                <a:ea typeface="CMU SERIF ROMAN" panose="02000603000000000000" pitchFamily="2" charset="0"/>
+                <a:cs typeface="CMU SERIF ROMAN" panose="02000603000000000000" pitchFamily="2" charset="0"/>
+                <a:sym typeface="Arial"/>
+              </a:rPr>
+              <a:t>Final</a:t>
+            </a:r>
+            <a:br>
+              <a:rPr lang="it-IT" sz="1000" b="0" i="1" u="none" strike="noStrike" cap="none" dirty="0">
+                <a:solidFill>
+                  <a:schemeClr val="dk1"/>
+                </a:solidFill>
+                <a:latin typeface="CMU SERIF ROMAN" panose="02000603000000000000" pitchFamily="2" charset="0"/>
+                <a:ea typeface="CMU SERIF ROMAN" panose="02000603000000000000" pitchFamily="2" charset="0"/>
+                <a:cs typeface="CMU SERIF ROMAN" panose="02000603000000000000" pitchFamily="2" charset="0"/>
+                <a:sym typeface="Arial"/>
+              </a:rPr>
+            </a:br>
+            <a:r>
+              <a:rPr lang="it-IT" sz="1000" b="0" i="1" u="none" strike="noStrike" cap="none" dirty="0">
+                <a:solidFill>
+                  <a:schemeClr val="dk1"/>
+                </a:solidFill>
+                <a:latin typeface="CMU SERIF ROMAN" panose="02000603000000000000" pitchFamily="2" charset="0"/>
+                <a:ea typeface="CMU SERIF ROMAN" panose="02000603000000000000" pitchFamily="2" charset="0"/>
+                <a:cs typeface="CMU SERIF ROMAN" panose="02000603000000000000" pitchFamily="2" charset="0"/>
+                <a:sym typeface="Arial"/>
+              </a:rPr>
+              <a:t>Decision</a:t>
+            </a:r>
+            <a:endParaRPr sz="1100" dirty="0">
               <a:latin typeface="CMU Serif Roman" panose="02000603000000000000" pitchFamily="2" charset="0"/>
               <a:ea typeface="CMU Serif Roman" panose="02000603000000000000" pitchFamily="2" charset="0"/>
               <a:cs typeface="CMU Serif Roman" panose="02000603000000000000" pitchFamily="2" charset="0"/>
